--- a/Insurance_CA_1.pptx
+++ b/Insurance_CA_1.pptx
@@ -132,6 +132,11 @@
       </a:defRPr>
     </a:lvl9pPr>
   </p:defaultTextStyle>
+  <p:extLst>
+    <p:ext uri="{EFAFB233-063F-42B5-8137-9DF3F51BA10A}">
+      <p15:sldGuideLst xmlns:p15="http://schemas.microsoft.com/office/powerpoint/2012/main"/>
+    </p:ext>
+  </p:extLst>
 </p:presentation>
 </file>
 
@@ -217,7 +222,7 @@
           <a:p>
             <a:fld id="{55D64F84-433B-4FF2-91BB-29A9A74AA981}" type="datetimeFigureOut">
               <a:rPr lang="en-IN" smtClean="0"/>
-              <a:t>05-04-2022</a:t>
+              <a:t>15-04-2022</a:t>
             </a:fld>
             <a:endParaRPr lang="en-IN"/>
           </a:p>
@@ -842,7 +847,7 @@
           <a:p>
             <a:fld id="{C703EE8F-6428-41A8-8996-871CC8E3D952}" type="datetimeFigureOut">
               <a:rPr lang="en-IN" smtClean="0"/>
-              <a:t>05-04-2022</a:t>
+              <a:t>15-04-2022</a:t>
             </a:fld>
             <a:endParaRPr lang="en-IN"/>
           </a:p>
@@ -1042,7 +1047,7 @@
           <a:p>
             <a:fld id="{C703EE8F-6428-41A8-8996-871CC8E3D952}" type="datetimeFigureOut">
               <a:rPr lang="en-IN" smtClean="0"/>
-              <a:t>05-04-2022</a:t>
+              <a:t>15-04-2022</a:t>
             </a:fld>
             <a:endParaRPr lang="en-IN"/>
           </a:p>
@@ -1252,7 +1257,7 @@
           <a:p>
             <a:fld id="{C703EE8F-6428-41A8-8996-871CC8E3D952}" type="datetimeFigureOut">
               <a:rPr lang="en-IN" smtClean="0"/>
-              <a:t>05-04-2022</a:t>
+              <a:t>15-04-2022</a:t>
             </a:fld>
             <a:endParaRPr lang="en-IN"/>
           </a:p>
@@ -6238,7 +6243,7 @@
           <a:p>
             <a:fld id="{C703EE8F-6428-41A8-8996-871CC8E3D952}" type="datetimeFigureOut">
               <a:rPr lang="en-IN" smtClean="0"/>
-              <a:t>05-04-2022</a:t>
+              <a:t>15-04-2022</a:t>
             </a:fld>
             <a:endParaRPr lang="en-IN"/>
           </a:p>
@@ -9899,7 +9904,7 @@
           <a:p>
             <a:fld id="{C703EE8F-6428-41A8-8996-871CC8E3D952}" type="datetimeFigureOut">
               <a:rPr lang="en-IN" smtClean="0"/>
-              <a:t>05-04-2022</a:t>
+              <a:t>15-04-2022</a:t>
             </a:fld>
             <a:endParaRPr lang="en-IN"/>
           </a:p>
@@ -10167,7 +10172,7 @@
           <a:p>
             <a:fld id="{C703EE8F-6428-41A8-8996-871CC8E3D952}" type="datetimeFigureOut">
               <a:rPr lang="en-IN" smtClean="0"/>
-              <a:t>05-04-2022</a:t>
+              <a:t>15-04-2022</a:t>
             </a:fld>
             <a:endParaRPr lang="en-IN"/>
           </a:p>
@@ -10582,7 +10587,7 @@
           <a:p>
             <a:fld id="{C703EE8F-6428-41A8-8996-871CC8E3D952}" type="datetimeFigureOut">
               <a:rPr lang="en-IN" smtClean="0"/>
-              <a:t>05-04-2022</a:t>
+              <a:t>15-04-2022</a:t>
             </a:fld>
             <a:endParaRPr lang="en-IN"/>
           </a:p>
@@ -10724,7 +10729,7 @@
           <a:p>
             <a:fld id="{C703EE8F-6428-41A8-8996-871CC8E3D952}" type="datetimeFigureOut">
               <a:rPr lang="en-IN" smtClean="0"/>
-              <a:t>05-04-2022</a:t>
+              <a:t>15-04-2022</a:t>
             </a:fld>
             <a:endParaRPr lang="en-IN"/>
           </a:p>
@@ -10837,7 +10842,7 @@
           <a:p>
             <a:fld id="{C703EE8F-6428-41A8-8996-871CC8E3D952}" type="datetimeFigureOut">
               <a:rPr lang="en-IN" smtClean="0"/>
-              <a:t>05-04-2022</a:t>
+              <a:t>15-04-2022</a:t>
             </a:fld>
             <a:endParaRPr lang="en-IN"/>
           </a:p>
@@ -11150,7 +11155,7 @@
           <a:p>
             <a:fld id="{C703EE8F-6428-41A8-8996-871CC8E3D952}" type="datetimeFigureOut">
               <a:rPr lang="en-IN" smtClean="0"/>
-              <a:t>05-04-2022</a:t>
+              <a:t>15-04-2022</a:t>
             </a:fld>
             <a:endParaRPr lang="en-IN"/>
           </a:p>
@@ -11439,7 +11444,7 @@
           <a:p>
             <a:fld id="{C703EE8F-6428-41A8-8996-871CC8E3D952}" type="datetimeFigureOut">
               <a:rPr lang="en-IN" smtClean="0"/>
-              <a:t>05-04-2022</a:t>
+              <a:t>15-04-2022</a:t>
             </a:fld>
             <a:endParaRPr lang="en-IN"/>
           </a:p>
@@ -11682,7 +11687,7 @@
           <a:p>
             <a:fld id="{C703EE8F-6428-41A8-8996-871CC8E3D952}" type="datetimeFigureOut">
               <a:rPr lang="en-IN" smtClean="0"/>
-              <a:t>05-04-2022</a:t>
+              <a:t>15-04-2022</a:t>
             </a:fld>
             <a:endParaRPr lang="en-IN"/>
           </a:p>
